--- a/La carte Suiveur.pptx
+++ b/La carte Suiveur.pptx
@@ -9,6 +9,11 @@
     <p:sldId id="257" r:id="rId3"/>
     <p:sldId id="258" r:id="rId4"/>
     <p:sldId id="259" r:id="rId5"/>
+    <p:sldId id="261" r:id="rId6"/>
+    <p:sldId id="260" r:id="rId7"/>
+    <p:sldId id="262" r:id="rId8"/>
+    <p:sldId id="263" r:id="rId9"/>
+    <p:sldId id="264" r:id="rId10"/>
   </p:sldIdLst>
   <p:sldSz cx="12192000" cy="6858000"/>
   <p:notesSz cx="6858000" cy="9144000"/>
@@ -107,6 +112,11 @@
       </a:defRPr>
     </a:lvl9pPr>
   </p:defaultTextStyle>
+  <p:extLst>
+    <p:ext uri="{EFAFB233-063F-42B5-8137-9DF3F51BA10A}">
+      <p15:sldGuideLst xmlns:p15="http://schemas.microsoft.com/office/powerpoint/2012/main"/>
+    </p:ext>
+  </p:extLst>
 </p:presentation>
 </file>
 
@@ -257,7 +267,7 @@
           <a:p>
             <a:fld id="{F9302DE9-7A47-4746-A44E-93D3E68E04C8}" type="datetimeFigureOut">
               <a:rPr lang="fr-FR" smtClean="0"/>
-              <a:t>20/05/2025</a:t>
+              <a:t>21/05/2025</a:t>
             </a:fld>
             <a:endParaRPr lang="fr-FR"/>
           </a:p>
@@ -455,7 +465,7 @@
           <a:p>
             <a:fld id="{F9302DE9-7A47-4746-A44E-93D3E68E04C8}" type="datetimeFigureOut">
               <a:rPr lang="fr-FR" smtClean="0"/>
-              <a:t>20/05/2025</a:t>
+              <a:t>21/05/2025</a:t>
             </a:fld>
             <a:endParaRPr lang="fr-FR"/>
           </a:p>
@@ -663,7 +673,7 @@
           <a:p>
             <a:fld id="{F9302DE9-7A47-4746-A44E-93D3E68E04C8}" type="datetimeFigureOut">
               <a:rPr lang="fr-FR" smtClean="0"/>
-              <a:t>20/05/2025</a:t>
+              <a:t>21/05/2025</a:t>
             </a:fld>
             <a:endParaRPr lang="fr-FR"/>
           </a:p>
@@ -861,7 +871,7 @@
           <a:p>
             <a:fld id="{F9302DE9-7A47-4746-A44E-93D3E68E04C8}" type="datetimeFigureOut">
               <a:rPr lang="fr-FR" smtClean="0"/>
-              <a:t>20/05/2025</a:t>
+              <a:t>21/05/2025</a:t>
             </a:fld>
             <a:endParaRPr lang="fr-FR"/>
           </a:p>
@@ -1136,7 +1146,7 @@
           <a:p>
             <a:fld id="{F9302DE9-7A47-4746-A44E-93D3E68E04C8}" type="datetimeFigureOut">
               <a:rPr lang="fr-FR" smtClean="0"/>
-              <a:t>20/05/2025</a:t>
+              <a:t>21/05/2025</a:t>
             </a:fld>
             <a:endParaRPr lang="fr-FR"/>
           </a:p>
@@ -1401,7 +1411,7 @@
           <a:p>
             <a:fld id="{F9302DE9-7A47-4746-A44E-93D3E68E04C8}" type="datetimeFigureOut">
               <a:rPr lang="fr-FR" smtClean="0"/>
-              <a:t>20/05/2025</a:t>
+              <a:t>21/05/2025</a:t>
             </a:fld>
             <a:endParaRPr lang="fr-FR"/>
           </a:p>
@@ -1813,7 +1823,7 @@
           <a:p>
             <a:fld id="{F9302DE9-7A47-4746-A44E-93D3E68E04C8}" type="datetimeFigureOut">
               <a:rPr lang="fr-FR" smtClean="0"/>
-              <a:t>20/05/2025</a:t>
+              <a:t>21/05/2025</a:t>
             </a:fld>
             <a:endParaRPr lang="fr-FR"/>
           </a:p>
@@ -1954,7 +1964,7 @@
           <a:p>
             <a:fld id="{F9302DE9-7A47-4746-A44E-93D3E68E04C8}" type="datetimeFigureOut">
               <a:rPr lang="fr-FR" smtClean="0"/>
-              <a:t>20/05/2025</a:t>
+              <a:t>21/05/2025</a:t>
             </a:fld>
             <a:endParaRPr lang="fr-FR"/>
           </a:p>
@@ -2067,7 +2077,7 @@
           <a:p>
             <a:fld id="{F9302DE9-7A47-4746-A44E-93D3E68E04C8}" type="datetimeFigureOut">
               <a:rPr lang="fr-FR" smtClean="0"/>
-              <a:t>20/05/2025</a:t>
+              <a:t>21/05/2025</a:t>
             </a:fld>
             <a:endParaRPr lang="fr-FR"/>
           </a:p>
@@ -2378,7 +2388,7 @@
           <a:p>
             <a:fld id="{F9302DE9-7A47-4746-A44E-93D3E68E04C8}" type="datetimeFigureOut">
               <a:rPr lang="fr-FR" smtClean="0"/>
-              <a:t>20/05/2025</a:t>
+              <a:t>21/05/2025</a:t>
             </a:fld>
             <a:endParaRPr lang="fr-FR"/>
           </a:p>
@@ -2666,7 +2676,7 @@
           <a:p>
             <a:fld id="{F9302DE9-7A47-4746-A44E-93D3E68E04C8}" type="datetimeFigureOut">
               <a:rPr lang="fr-FR" smtClean="0"/>
-              <a:t>20/05/2025</a:t>
+              <a:t>21/05/2025</a:t>
             </a:fld>
             <a:endParaRPr lang="fr-FR"/>
           </a:p>
@@ -2907,7 +2917,7 @@
           <a:p>
             <a:fld id="{F9302DE9-7A47-4746-A44E-93D3E68E04C8}" type="datetimeFigureOut">
               <a:rPr lang="fr-FR" smtClean="0"/>
-              <a:t>20/05/2025</a:t>
+              <a:t>21/05/2025</a:t>
             </a:fld>
             <a:endParaRPr lang="fr-FR"/>
           </a:p>
@@ -3663,35 +3673,993 @@
           </a:p>
         </p:txBody>
       </p:sp>
-      <p:sp>
-        <p:nvSpPr>
-          <p:cNvPr id="3" name="Espace réservé du contenu 2">
-            <a:extLst>
-              <a:ext uri="{FF2B5EF4-FFF2-40B4-BE49-F238E27FC236}">
-                <a16:creationId xmlns:a16="http://schemas.microsoft.com/office/drawing/2014/main" id="{46092C1E-968C-E628-3CF6-ED08F2783FDB}"/>
-              </a:ext>
-            </a:extLst>
-          </p:cNvPr>
-          <p:cNvSpPr>
-            <a:spLocks noGrp="1"/>
-          </p:cNvSpPr>
-          <p:nvPr>
-            <p:ph idx="1"/>
-          </p:nvPr>
-        </p:nvSpPr>
-        <p:spPr/>
-        <p:txBody>
-          <a:bodyPr/>
-          <a:lstStyle/>
-          <a:p>
-            <a:endParaRPr lang="fr-FR"/>
-          </a:p>
-        </p:txBody>
-      </p:sp>
+      <p:pic>
+        <p:nvPicPr>
+          <p:cNvPr id="5" name="Picture 1893">
+            <a:extLst>
+              <a:ext uri="{FF2B5EF4-FFF2-40B4-BE49-F238E27FC236}">
+                <a16:creationId xmlns:a16="http://schemas.microsoft.com/office/drawing/2014/main" id="{3E4F73D2-1897-5226-905D-6DC04A21EDBC}"/>
+              </a:ext>
+            </a:extLst>
+          </p:cNvPr>
+          <p:cNvPicPr>
+            <a:picLocks noChangeAspect="1"/>
+          </p:cNvPicPr>
+          <p:nvPr/>
+        </p:nvPicPr>
+        <p:blipFill>
+          <a:blip r:embed="rId2"/>
+          <a:stretch>
+            <a:fillRect/>
+          </a:stretch>
+        </p:blipFill>
+        <p:spPr bwMode="auto">
+          <a:xfrm>
+            <a:off x="5502095" y="1617260"/>
+            <a:ext cx="5760720" cy="2496185"/>
+          </a:xfrm>
+          <a:prstGeom prst="rect">
+            <a:avLst/>
+          </a:prstGeom>
+          <a:noFill/>
+        </p:spPr>
+      </p:pic>
+      <p:pic>
+        <p:nvPicPr>
+          <p:cNvPr id="6" name="Picture 42914">
+            <a:extLst>
+              <a:ext uri="{FF2B5EF4-FFF2-40B4-BE49-F238E27FC236}">
+                <a16:creationId xmlns:a16="http://schemas.microsoft.com/office/drawing/2014/main" id="{BB2D0EF5-43BA-4BEA-8E2C-4853C754F4D7}"/>
+              </a:ext>
+            </a:extLst>
+          </p:cNvPr>
+          <p:cNvPicPr>
+            <a:picLocks noChangeAspect="1"/>
+          </p:cNvPicPr>
+          <p:nvPr/>
+        </p:nvPicPr>
+        <p:blipFill>
+          <a:blip r:embed="rId3"/>
+          <a:srcRect r="42336" b="63467"/>
+          <a:stretch/>
+        </p:blipFill>
+        <p:spPr bwMode="auto">
+          <a:xfrm>
+            <a:off x="6722429" y="4113445"/>
+            <a:ext cx="3320051" cy="1545709"/>
+          </a:xfrm>
+          <a:prstGeom prst="rect">
+            <a:avLst/>
+          </a:prstGeom>
+          <a:noFill/>
+        </p:spPr>
+      </p:pic>
+      <p:pic>
+        <p:nvPicPr>
+          <p:cNvPr id="24" name="Image 23">
+            <a:extLst>
+              <a:ext uri="{FF2B5EF4-FFF2-40B4-BE49-F238E27FC236}">
+                <a16:creationId xmlns:a16="http://schemas.microsoft.com/office/drawing/2014/main" id="{8E48D6B0-C416-7406-9B6B-38E9E5D036E5}"/>
+              </a:ext>
+            </a:extLst>
+          </p:cNvPr>
+          <p:cNvPicPr>
+            <a:picLocks noChangeAspect="1"/>
+          </p:cNvPicPr>
+          <p:nvPr/>
+        </p:nvPicPr>
+        <p:blipFill>
+          <a:blip r:embed="rId4"/>
+          <a:stretch>
+            <a:fillRect/>
+          </a:stretch>
+        </p:blipFill>
+        <p:spPr>
+          <a:xfrm>
+            <a:off x="929185" y="1617260"/>
+            <a:ext cx="4033671" cy="4776716"/>
+          </a:xfrm>
+          <a:prstGeom prst="rect">
+            <a:avLst/>
+          </a:prstGeom>
+        </p:spPr>
+      </p:pic>
     </p:spTree>
     <p:extLst>
       <p:ext uri="{BB962C8B-B14F-4D97-AF65-F5344CB8AC3E}">
         <p14:creationId xmlns:p14="http://schemas.microsoft.com/office/powerpoint/2010/main" val="3702168545"/>
+      </p:ext>
+    </p:extLst>
+  </p:cSld>
+  <p:clrMapOvr>
+    <a:masterClrMapping/>
+  </p:clrMapOvr>
+</p:sld>
+</file>
+
+<file path=ppt/slides/slide5.xml><?xml version="1.0" encoding="utf-8"?>
+<p:sld xmlns:a="http://schemas.openxmlformats.org/drawingml/2006/main" xmlns:r="http://schemas.openxmlformats.org/officeDocument/2006/relationships" xmlns:p="http://schemas.openxmlformats.org/presentationml/2006/main">
+  <p:cSld>
+    <p:spTree>
+      <p:nvGrpSpPr>
+        <p:cNvPr id="1" name=""/>
+        <p:cNvGrpSpPr/>
+        <p:nvPr/>
+      </p:nvGrpSpPr>
+      <p:grpSpPr>
+        <a:xfrm>
+          <a:off x="0" y="0"/>
+          <a:ext cx="0" cy="0"/>
+          <a:chOff x="0" y="0"/>
+          <a:chExt cx="0" cy="0"/>
+        </a:xfrm>
+      </p:grpSpPr>
+      <p:pic>
+        <p:nvPicPr>
+          <p:cNvPr id="4" name="Image 3">
+            <a:extLst>
+              <a:ext uri="{FF2B5EF4-FFF2-40B4-BE49-F238E27FC236}">
+                <a16:creationId xmlns:a16="http://schemas.microsoft.com/office/drawing/2014/main" id="{886E579C-C1E7-3262-F541-0F9774B419B1}"/>
+              </a:ext>
+            </a:extLst>
+          </p:cNvPr>
+          <p:cNvPicPr>
+            <a:picLocks noChangeAspect="1"/>
+          </p:cNvPicPr>
+          <p:nvPr/>
+        </p:nvPicPr>
+        <p:blipFill>
+          <a:blip r:embed="rId2"/>
+          <a:stretch>
+            <a:fillRect/>
+          </a:stretch>
+        </p:blipFill>
+        <p:spPr>
+          <a:xfrm>
+            <a:off x="369628" y="338725"/>
+            <a:ext cx="5219130" cy="6180549"/>
+          </a:xfrm>
+          <a:prstGeom prst="rect">
+            <a:avLst/>
+          </a:prstGeom>
+        </p:spPr>
+      </p:pic>
+      <p:pic>
+        <p:nvPicPr>
+          <p:cNvPr id="5" name="Image5">
+            <a:extLst>
+              <a:ext uri="{FF2B5EF4-FFF2-40B4-BE49-F238E27FC236}">
+                <a16:creationId xmlns:a16="http://schemas.microsoft.com/office/drawing/2014/main" id="{804892C1-E699-CC12-0BE6-3A93F95C6967}"/>
+              </a:ext>
+            </a:extLst>
+          </p:cNvPr>
+          <p:cNvPicPr>
+            <a:picLocks noChangeAspect="1"/>
+          </p:cNvPicPr>
+          <p:nvPr/>
+        </p:nvPicPr>
+        <p:blipFill>
+          <a:blip r:embed="rId3"/>
+          <a:srcRect l="12192" t="31060" r="26839" b="36147"/>
+          <a:stretch>
+            <a:fillRect/>
+          </a:stretch>
+        </p:blipFill>
+        <p:spPr bwMode="auto">
+          <a:xfrm>
+            <a:off x="6288553" y="270520"/>
+            <a:ext cx="3058422" cy="2921269"/>
+          </a:xfrm>
+          <a:prstGeom prst="rect">
+            <a:avLst/>
+          </a:prstGeom>
+          <a:noFill/>
+        </p:spPr>
+      </p:pic>
+      <p:pic>
+        <p:nvPicPr>
+          <p:cNvPr id="6" name="Image6">
+            <a:extLst>
+              <a:ext uri="{FF2B5EF4-FFF2-40B4-BE49-F238E27FC236}">
+                <a16:creationId xmlns:a16="http://schemas.microsoft.com/office/drawing/2014/main" id="{B97ACE0D-ECB4-CE09-41CD-43D25DB6ABA5}"/>
+              </a:ext>
+            </a:extLst>
+          </p:cNvPr>
+          <p:cNvPicPr>
+            <a:picLocks noChangeAspect="1"/>
+          </p:cNvPicPr>
+          <p:nvPr/>
+        </p:nvPicPr>
+        <p:blipFill>
+          <a:blip r:embed="rId4"/>
+          <a:srcRect l="6239" t="31019" r="15857" b="34066"/>
+          <a:stretch/>
+        </p:blipFill>
+        <p:spPr bwMode="auto">
+          <a:xfrm>
+            <a:off x="6288553" y="3429000"/>
+            <a:ext cx="3058422" cy="2434042"/>
+          </a:xfrm>
+          <a:prstGeom prst="rect">
+            <a:avLst/>
+          </a:prstGeom>
+          <a:noFill/>
+        </p:spPr>
+      </p:pic>
+      <p:sp>
+        <p:nvSpPr>
+          <p:cNvPr id="7" name="ZoneTexte 6">
+            <a:extLst>
+              <a:ext uri="{FF2B5EF4-FFF2-40B4-BE49-F238E27FC236}">
+                <a16:creationId xmlns:a16="http://schemas.microsoft.com/office/drawing/2014/main" id="{A181E8C3-A451-774E-22C9-43F3D8EF56CE}"/>
+              </a:ext>
+            </a:extLst>
+          </p:cNvPr>
+          <p:cNvSpPr txBox="1"/>
+          <p:nvPr/>
+        </p:nvSpPr>
+        <p:spPr>
+          <a:xfrm>
+            <a:off x="9883027" y="1542197"/>
+            <a:ext cx="1396848" cy="369332"/>
+          </a:xfrm>
+          <a:prstGeom prst="rect">
+            <a:avLst/>
+          </a:prstGeom>
+          <a:noFill/>
+        </p:spPr>
+        <p:txBody>
+          <a:bodyPr wrap="square" rtlCol="0">
+            <a:spAutoFit/>
+          </a:bodyPr>
+          <a:lstStyle/>
+          <a:p>
+            <a:r>
+              <a:rPr lang="fr-FR" dirty="0"/>
+              <a:t>Surface noir</a:t>
+            </a:r>
+          </a:p>
+        </p:txBody>
+      </p:sp>
+      <p:sp>
+        <p:nvSpPr>
+          <p:cNvPr id="8" name="ZoneTexte 7">
+            <a:extLst>
+              <a:ext uri="{FF2B5EF4-FFF2-40B4-BE49-F238E27FC236}">
+                <a16:creationId xmlns:a16="http://schemas.microsoft.com/office/drawing/2014/main" id="{F5C81D77-ED5D-63F1-850F-575BC5BAC278}"/>
+              </a:ext>
+            </a:extLst>
+          </p:cNvPr>
+          <p:cNvSpPr txBox="1"/>
+          <p:nvPr/>
+        </p:nvSpPr>
+        <p:spPr>
+          <a:xfrm>
+            <a:off x="9883027" y="4646021"/>
+            <a:ext cx="1396848" cy="646331"/>
+          </a:xfrm>
+          <a:prstGeom prst="rect">
+            <a:avLst/>
+          </a:prstGeom>
+          <a:noFill/>
+        </p:spPr>
+        <p:txBody>
+          <a:bodyPr wrap="square" rtlCol="0">
+            <a:spAutoFit/>
+          </a:bodyPr>
+          <a:lstStyle/>
+          <a:p>
+            <a:r>
+              <a:rPr lang="fr-FR" dirty="0"/>
+              <a:t>Surface Blanche</a:t>
+            </a:r>
+          </a:p>
+        </p:txBody>
+      </p:sp>
+    </p:spTree>
+    <p:extLst>
+      <p:ext uri="{BB962C8B-B14F-4D97-AF65-F5344CB8AC3E}">
+        <p14:creationId xmlns:p14="http://schemas.microsoft.com/office/powerpoint/2010/main" val="230094382"/>
+      </p:ext>
+    </p:extLst>
+  </p:cSld>
+  <p:clrMapOvr>
+    <a:masterClrMapping/>
+  </p:clrMapOvr>
+</p:sld>
+</file>
+
+<file path=ppt/slides/slide6.xml><?xml version="1.0" encoding="utf-8"?>
+<p:sld xmlns:a="http://schemas.openxmlformats.org/drawingml/2006/main" xmlns:r="http://schemas.openxmlformats.org/officeDocument/2006/relationships" xmlns:p="http://schemas.openxmlformats.org/presentationml/2006/main">
+  <p:cSld>
+    <p:spTree>
+      <p:nvGrpSpPr>
+        <p:cNvPr id="1" name=""/>
+        <p:cNvGrpSpPr/>
+        <p:nvPr/>
+      </p:nvGrpSpPr>
+      <p:grpSpPr>
+        <a:xfrm>
+          <a:off x="0" y="0"/>
+          <a:ext cx="0" cy="0"/>
+          <a:chOff x="0" y="0"/>
+          <a:chExt cx="0" cy="0"/>
+        </a:xfrm>
+      </p:grpSpPr>
+      <p:sp>
+        <p:nvSpPr>
+          <p:cNvPr id="2" name="Titre 1">
+            <a:extLst>
+              <a:ext uri="{FF2B5EF4-FFF2-40B4-BE49-F238E27FC236}">
+                <a16:creationId xmlns:a16="http://schemas.microsoft.com/office/drawing/2014/main" id="{BCF85C61-C105-1317-AD3A-65724B7F10EA}"/>
+              </a:ext>
+            </a:extLst>
+          </p:cNvPr>
+          <p:cNvSpPr>
+            <a:spLocks noGrp="1"/>
+          </p:cNvSpPr>
+          <p:nvPr>
+            <p:ph type="title"/>
+          </p:nvPr>
+        </p:nvSpPr>
+        <p:spPr/>
+        <p:txBody>
+          <a:bodyPr/>
+          <a:lstStyle/>
+          <a:p>
+            <a:r>
+              <a:rPr lang="fr-FR" dirty="0"/>
+              <a:t>Oscillateur</a:t>
+            </a:r>
+          </a:p>
+        </p:txBody>
+      </p:sp>
+      <p:pic>
+        <p:nvPicPr>
+          <p:cNvPr id="5" name="Image 4">
+            <a:extLst>
+              <a:ext uri="{FF2B5EF4-FFF2-40B4-BE49-F238E27FC236}">
+                <a16:creationId xmlns:a16="http://schemas.microsoft.com/office/drawing/2014/main" id="{E83242FF-F963-4F6B-2767-318A1EC7EB56}"/>
+              </a:ext>
+            </a:extLst>
+          </p:cNvPr>
+          <p:cNvPicPr>
+            <a:picLocks noChangeAspect="1"/>
+          </p:cNvPicPr>
+          <p:nvPr/>
+        </p:nvPicPr>
+        <p:blipFill>
+          <a:blip r:embed="rId2"/>
+          <a:stretch>
+            <a:fillRect/>
+          </a:stretch>
+        </p:blipFill>
+        <p:spPr>
+          <a:xfrm>
+            <a:off x="277504" y="1690688"/>
+            <a:ext cx="6621733" cy="3614218"/>
+          </a:xfrm>
+          <a:prstGeom prst="rect">
+            <a:avLst/>
+          </a:prstGeom>
+        </p:spPr>
+      </p:pic>
+      <p:pic>
+        <p:nvPicPr>
+          <p:cNvPr id="6" name="Image2">
+            <a:extLst>
+              <a:ext uri="{FF2B5EF4-FFF2-40B4-BE49-F238E27FC236}">
+                <a16:creationId xmlns:a16="http://schemas.microsoft.com/office/drawing/2014/main" id="{644F1A77-B3B2-3734-9AF7-1A57BF9019DE}"/>
+              </a:ext>
+            </a:extLst>
+          </p:cNvPr>
+          <p:cNvPicPr>
+            <a:picLocks noChangeAspect="1"/>
+          </p:cNvPicPr>
+          <p:nvPr/>
+        </p:nvPicPr>
+        <p:blipFill>
+          <a:blip r:embed="rId3"/>
+          <a:srcRect l="17609" t="29020" r="3444" b="34667"/>
+          <a:stretch>
+            <a:fillRect/>
+          </a:stretch>
+        </p:blipFill>
+        <p:spPr bwMode="auto">
+          <a:xfrm>
+            <a:off x="6899237" y="1690688"/>
+            <a:ext cx="5124674" cy="3614218"/>
+          </a:xfrm>
+          <a:prstGeom prst="rect">
+            <a:avLst/>
+          </a:prstGeom>
+          <a:noFill/>
+        </p:spPr>
+      </p:pic>
+    </p:spTree>
+    <p:extLst>
+      <p:ext uri="{BB962C8B-B14F-4D97-AF65-F5344CB8AC3E}">
+        <p14:creationId xmlns:p14="http://schemas.microsoft.com/office/powerpoint/2010/main" val="3101191110"/>
+      </p:ext>
+    </p:extLst>
+  </p:cSld>
+  <p:clrMapOvr>
+    <a:masterClrMapping/>
+  </p:clrMapOvr>
+</p:sld>
+</file>
+
+<file path=ppt/slides/slide7.xml><?xml version="1.0" encoding="utf-8"?>
+<p:sld xmlns:a="http://schemas.openxmlformats.org/drawingml/2006/main" xmlns:r="http://schemas.openxmlformats.org/officeDocument/2006/relationships" xmlns:p="http://schemas.openxmlformats.org/presentationml/2006/main">
+  <p:cSld>
+    <p:spTree>
+      <p:nvGrpSpPr>
+        <p:cNvPr id="1" name=""/>
+        <p:cNvGrpSpPr/>
+        <p:nvPr/>
+      </p:nvGrpSpPr>
+      <p:grpSpPr>
+        <a:xfrm>
+          <a:off x="0" y="0"/>
+          <a:ext cx="0" cy="0"/>
+          <a:chOff x="0" y="0"/>
+          <a:chExt cx="0" cy="0"/>
+        </a:xfrm>
+      </p:grpSpPr>
+      <p:sp>
+        <p:nvSpPr>
+          <p:cNvPr id="2" name="Titre 1">
+            <a:extLst>
+              <a:ext uri="{FF2B5EF4-FFF2-40B4-BE49-F238E27FC236}">
+                <a16:creationId xmlns:a16="http://schemas.microsoft.com/office/drawing/2014/main" id="{35F1AB3F-CB18-ED24-ED2D-B93B89B2DA23}"/>
+              </a:ext>
+            </a:extLst>
+          </p:cNvPr>
+          <p:cNvSpPr>
+            <a:spLocks noGrp="1"/>
+          </p:cNvSpPr>
+          <p:nvPr>
+            <p:ph type="title"/>
+          </p:nvPr>
+        </p:nvSpPr>
+        <p:spPr/>
+        <p:txBody>
+          <a:bodyPr/>
+          <a:lstStyle/>
+          <a:p>
+            <a:r>
+              <a:rPr lang="fr-FR" dirty="0"/>
+              <a:t>Filtre</a:t>
+            </a:r>
+          </a:p>
+        </p:txBody>
+      </p:sp>
+      <p:sp>
+        <p:nvSpPr>
+          <p:cNvPr id="3" name="Espace réservé du contenu 2">
+            <a:extLst>
+              <a:ext uri="{FF2B5EF4-FFF2-40B4-BE49-F238E27FC236}">
+                <a16:creationId xmlns:a16="http://schemas.microsoft.com/office/drawing/2014/main" id="{4FC59EAC-1F80-C213-CCA7-EA0F0C5010EB}"/>
+              </a:ext>
+            </a:extLst>
+          </p:cNvPr>
+          <p:cNvSpPr>
+            <a:spLocks noGrp="1"/>
+          </p:cNvSpPr>
+          <p:nvPr>
+            <p:ph idx="1"/>
+          </p:nvPr>
+        </p:nvSpPr>
+        <p:spPr>
+          <a:xfrm>
+            <a:off x="3413078" y="685580"/>
+            <a:ext cx="2682922" cy="684651"/>
+          </a:xfrm>
+        </p:spPr>
+        <p:txBody>
+          <a:bodyPr/>
+          <a:lstStyle/>
+          <a:p>
+            <a:r>
+              <a:rPr lang="fr-FR" dirty="0" err="1"/>
+              <a:t>Fc</a:t>
+            </a:r>
+            <a:r>
+              <a:rPr lang="fr-FR" dirty="0"/>
+              <a:t> = 200Hz</a:t>
+            </a:r>
+          </a:p>
+          <a:p>
+            <a:pPr marL="0" indent="0">
+              <a:buNone/>
+            </a:pPr>
+            <a:endParaRPr lang="fr-FR" dirty="0"/>
+          </a:p>
+        </p:txBody>
+      </p:sp>
+      <p:pic>
+        <p:nvPicPr>
+          <p:cNvPr id="4" name="Image3">
+            <a:extLst>
+              <a:ext uri="{FF2B5EF4-FFF2-40B4-BE49-F238E27FC236}">
+                <a16:creationId xmlns:a16="http://schemas.microsoft.com/office/drawing/2014/main" id="{8990FD70-2972-5B09-6039-147DF0CA69C3}"/>
+              </a:ext>
+            </a:extLst>
+          </p:cNvPr>
+          <p:cNvPicPr>
+            <a:picLocks noChangeAspect="1"/>
+          </p:cNvPicPr>
+          <p:nvPr/>
+        </p:nvPicPr>
+        <p:blipFill>
+          <a:blip r:embed="rId2"/>
+          <a:stretch>
+            <a:fillRect/>
+          </a:stretch>
+        </p:blipFill>
+        <p:spPr bwMode="auto">
+          <a:xfrm>
+            <a:off x="335280" y="1370231"/>
+            <a:ext cx="5760720" cy="2856230"/>
+          </a:xfrm>
+          <a:prstGeom prst="rect">
+            <a:avLst/>
+          </a:prstGeom>
+          <a:noFill/>
+        </p:spPr>
+      </p:pic>
+      <p:pic>
+        <p:nvPicPr>
+          <p:cNvPr id="5" name="Image7">
+            <a:extLst>
+              <a:ext uri="{FF2B5EF4-FFF2-40B4-BE49-F238E27FC236}">
+                <a16:creationId xmlns:a16="http://schemas.microsoft.com/office/drawing/2014/main" id="{B7688477-6D6D-E990-1A63-696C5B98DFBE}"/>
+              </a:ext>
+            </a:extLst>
+          </p:cNvPr>
+          <p:cNvPicPr>
+            <a:picLocks noChangeAspect="1"/>
+          </p:cNvPicPr>
+          <p:nvPr/>
+        </p:nvPicPr>
+        <p:blipFill>
+          <a:blip r:embed="rId3"/>
+          <a:srcRect l="7644" t="3126" r="24363" b="6603"/>
+          <a:stretch/>
+        </p:blipFill>
+        <p:spPr bwMode="auto">
+          <a:xfrm>
+            <a:off x="7250354" y="268174"/>
+            <a:ext cx="2949092" cy="2204113"/>
+          </a:xfrm>
+          <a:prstGeom prst="rect">
+            <a:avLst/>
+          </a:prstGeom>
+          <a:noFill/>
+        </p:spPr>
+      </p:pic>
+      <p:pic>
+        <p:nvPicPr>
+          <p:cNvPr id="6" name="Image8">
+            <a:extLst>
+              <a:ext uri="{FF2B5EF4-FFF2-40B4-BE49-F238E27FC236}">
+                <a16:creationId xmlns:a16="http://schemas.microsoft.com/office/drawing/2014/main" id="{82423AF1-E876-1632-45EA-8B3D242D6E82}"/>
+              </a:ext>
+            </a:extLst>
+          </p:cNvPr>
+          <p:cNvPicPr>
+            <a:picLocks noChangeAspect="1"/>
+          </p:cNvPicPr>
+          <p:nvPr/>
+        </p:nvPicPr>
+        <p:blipFill>
+          <a:blip r:embed="rId4"/>
+          <a:stretch>
+            <a:fillRect/>
+          </a:stretch>
+        </p:blipFill>
+        <p:spPr bwMode="auto">
+          <a:xfrm>
+            <a:off x="7180942" y="4296305"/>
+            <a:ext cx="3087915" cy="2382928"/>
+          </a:xfrm>
+          <a:prstGeom prst="rect">
+            <a:avLst/>
+          </a:prstGeom>
+          <a:noFill/>
+        </p:spPr>
+      </p:pic>
+      <p:pic>
+        <p:nvPicPr>
+          <p:cNvPr id="7" name="Image9">
+            <a:extLst>
+              <a:ext uri="{FF2B5EF4-FFF2-40B4-BE49-F238E27FC236}">
+                <a16:creationId xmlns:a16="http://schemas.microsoft.com/office/drawing/2014/main" id="{20391326-4110-341B-4F04-187CF56758EE}"/>
+              </a:ext>
+            </a:extLst>
+          </p:cNvPr>
+          <p:cNvPicPr>
+            <a:picLocks noChangeAspect="1"/>
+          </p:cNvPicPr>
+          <p:nvPr/>
+        </p:nvPicPr>
+        <p:blipFill>
+          <a:blip r:embed="rId5"/>
+          <a:stretch>
+            <a:fillRect/>
+          </a:stretch>
+        </p:blipFill>
+        <p:spPr bwMode="auto">
+          <a:xfrm>
+            <a:off x="1812409" y="4296305"/>
+            <a:ext cx="3060870" cy="2382928"/>
+          </a:xfrm>
+          <a:prstGeom prst="rect">
+            <a:avLst/>
+          </a:prstGeom>
+          <a:noFill/>
+        </p:spPr>
+      </p:pic>
+    </p:spTree>
+    <p:extLst>
+      <p:ext uri="{BB962C8B-B14F-4D97-AF65-F5344CB8AC3E}">
+        <p14:creationId xmlns:p14="http://schemas.microsoft.com/office/powerpoint/2010/main" val="3710752796"/>
+      </p:ext>
+    </p:extLst>
+  </p:cSld>
+  <p:clrMapOvr>
+    <a:masterClrMapping/>
+  </p:clrMapOvr>
+</p:sld>
+</file>
+
+<file path=ppt/slides/slide8.xml><?xml version="1.0" encoding="utf-8"?>
+<p:sld xmlns:a="http://schemas.openxmlformats.org/drawingml/2006/main" xmlns:r="http://schemas.openxmlformats.org/officeDocument/2006/relationships" xmlns:p="http://schemas.openxmlformats.org/presentationml/2006/main">
+  <p:cSld>
+    <p:spTree>
+      <p:nvGrpSpPr>
+        <p:cNvPr id="1" name=""/>
+        <p:cNvGrpSpPr/>
+        <p:nvPr/>
+      </p:nvGrpSpPr>
+      <p:grpSpPr>
+        <a:xfrm>
+          <a:off x="0" y="0"/>
+          <a:ext cx="0" cy="0"/>
+          <a:chOff x="0" y="0"/>
+          <a:chExt cx="0" cy="0"/>
+        </a:xfrm>
+      </p:grpSpPr>
+      <p:sp>
+        <p:nvSpPr>
+          <p:cNvPr id="2" name="Titre 1">
+            <a:extLst>
+              <a:ext uri="{FF2B5EF4-FFF2-40B4-BE49-F238E27FC236}">
+                <a16:creationId xmlns:a16="http://schemas.microsoft.com/office/drawing/2014/main" id="{900ECE36-D768-F995-3BF2-0DB64F5630D7}"/>
+              </a:ext>
+            </a:extLst>
+          </p:cNvPr>
+          <p:cNvSpPr>
+            <a:spLocks noGrp="1"/>
+          </p:cNvSpPr>
+          <p:nvPr>
+            <p:ph type="title"/>
+          </p:nvPr>
+        </p:nvSpPr>
+        <p:spPr/>
+        <p:txBody>
+          <a:bodyPr/>
+          <a:lstStyle/>
+          <a:p>
+            <a:r>
+              <a:rPr lang="fr-FR" dirty="0"/>
+              <a:t>Amplificateur</a:t>
+            </a:r>
+          </a:p>
+        </p:txBody>
+      </p:sp>
+      <p:pic>
+        <p:nvPicPr>
+          <p:cNvPr id="4" name="Image4">
+            <a:extLst>
+              <a:ext uri="{FF2B5EF4-FFF2-40B4-BE49-F238E27FC236}">
+                <a16:creationId xmlns:a16="http://schemas.microsoft.com/office/drawing/2014/main" id="{61498263-05C6-E5A2-5635-BB2D74F801E4}"/>
+              </a:ext>
+            </a:extLst>
+          </p:cNvPr>
+          <p:cNvPicPr>
+            <a:picLocks noChangeAspect="1"/>
+          </p:cNvPicPr>
+          <p:nvPr/>
+        </p:nvPicPr>
+        <p:blipFill>
+          <a:blip r:embed="rId2"/>
+          <a:stretch>
+            <a:fillRect/>
+          </a:stretch>
+        </p:blipFill>
+        <p:spPr bwMode="auto">
+          <a:xfrm>
+            <a:off x="9356906" y="1"/>
+            <a:ext cx="2835094" cy="2266950"/>
+          </a:xfrm>
+          <a:prstGeom prst="rect">
+            <a:avLst/>
+          </a:prstGeom>
+          <a:noFill/>
+        </p:spPr>
+      </p:pic>
+      <p:pic>
+        <p:nvPicPr>
+          <p:cNvPr id="5" name="Image12">
+            <a:extLst>
+              <a:ext uri="{FF2B5EF4-FFF2-40B4-BE49-F238E27FC236}">
+                <a16:creationId xmlns:a16="http://schemas.microsoft.com/office/drawing/2014/main" id="{BD860A04-862B-0399-9E7F-7F44CDD0C66A}"/>
+              </a:ext>
+            </a:extLst>
+          </p:cNvPr>
+          <p:cNvPicPr>
+            <a:picLocks noChangeAspect="1"/>
+          </p:cNvPicPr>
+          <p:nvPr/>
+        </p:nvPicPr>
+        <p:blipFill>
+          <a:blip r:embed="rId3"/>
+          <a:stretch>
+            <a:fillRect/>
+          </a:stretch>
+        </p:blipFill>
+        <p:spPr bwMode="auto">
+          <a:xfrm>
+            <a:off x="838200" y="1825625"/>
+            <a:ext cx="5052060" cy="4093845"/>
+          </a:xfrm>
+          <a:prstGeom prst="rect">
+            <a:avLst/>
+          </a:prstGeom>
+          <a:noFill/>
+        </p:spPr>
+      </p:pic>
+      <p:pic>
+        <p:nvPicPr>
+          <p:cNvPr id="6" name="Image10">
+            <a:extLst>
+              <a:ext uri="{FF2B5EF4-FFF2-40B4-BE49-F238E27FC236}">
+                <a16:creationId xmlns:a16="http://schemas.microsoft.com/office/drawing/2014/main" id="{1FF0E32F-C1A8-C2C7-5564-EABBE8B5DA44}"/>
+              </a:ext>
+            </a:extLst>
+          </p:cNvPr>
+          <p:cNvPicPr>
+            <a:picLocks noChangeAspect="1"/>
+          </p:cNvPicPr>
+          <p:nvPr/>
+        </p:nvPicPr>
+        <p:blipFill>
+          <a:blip r:embed="rId4"/>
+          <a:stretch>
+            <a:fillRect/>
+          </a:stretch>
+        </p:blipFill>
+        <p:spPr bwMode="auto">
+          <a:xfrm>
+            <a:off x="6394222" y="661352"/>
+            <a:ext cx="2644775" cy="2328545"/>
+          </a:xfrm>
+          <a:prstGeom prst="rect">
+            <a:avLst/>
+          </a:prstGeom>
+          <a:noFill/>
+        </p:spPr>
+      </p:pic>
+      <p:pic>
+        <p:nvPicPr>
+          <p:cNvPr id="7" name="Image11">
+            <a:extLst>
+              <a:ext uri="{FF2B5EF4-FFF2-40B4-BE49-F238E27FC236}">
+                <a16:creationId xmlns:a16="http://schemas.microsoft.com/office/drawing/2014/main" id="{04DAC4A0-3027-BCAA-960A-3D41C60039F8}"/>
+              </a:ext>
+            </a:extLst>
+          </p:cNvPr>
+          <p:cNvPicPr>
+            <a:picLocks noChangeAspect="1"/>
+          </p:cNvPicPr>
+          <p:nvPr/>
+        </p:nvPicPr>
+        <p:blipFill>
+          <a:blip r:embed="rId5"/>
+          <a:stretch>
+            <a:fillRect/>
+          </a:stretch>
+        </p:blipFill>
+        <p:spPr bwMode="auto">
+          <a:xfrm>
+            <a:off x="6208167" y="3665220"/>
+            <a:ext cx="2830830" cy="2254250"/>
+          </a:xfrm>
+          <a:prstGeom prst="rect">
+            <a:avLst/>
+          </a:prstGeom>
+          <a:noFill/>
+        </p:spPr>
+      </p:pic>
+    </p:spTree>
+    <p:extLst>
+      <p:ext uri="{BB962C8B-B14F-4D97-AF65-F5344CB8AC3E}">
+        <p14:creationId xmlns:p14="http://schemas.microsoft.com/office/powerpoint/2010/main" val="808716140"/>
+      </p:ext>
+    </p:extLst>
+  </p:cSld>
+  <p:clrMapOvr>
+    <a:masterClrMapping/>
+  </p:clrMapOvr>
+</p:sld>
+</file>
+
+<file path=ppt/slides/slide9.xml><?xml version="1.0" encoding="utf-8"?>
+<p:sld xmlns:a="http://schemas.openxmlformats.org/drawingml/2006/main" xmlns:r="http://schemas.openxmlformats.org/officeDocument/2006/relationships" xmlns:p="http://schemas.openxmlformats.org/presentationml/2006/main">
+  <p:cSld>
+    <p:spTree>
+      <p:nvGrpSpPr>
+        <p:cNvPr id="1" name=""/>
+        <p:cNvGrpSpPr/>
+        <p:nvPr/>
+      </p:nvGrpSpPr>
+      <p:grpSpPr>
+        <a:xfrm>
+          <a:off x="0" y="0"/>
+          <a:ext cx="0" cy="0"/>
+          <a:chOff x="0" y="0"/>
+          <a:chExt cx="0" cy="0"/>
+        </a:xfrm>
+      </p:grpSpPr>
+      <p:sp>
+        <p:nvSpPr>
+          <p:cNvPr id="2" name="Titre 1">
+            <a:extLst>
+              <a:ext uri="{FF2B5EF4-FFF2-40B4-BE49-F238E27FC236}">
+                <a16:creationId xmlns:a16="http://schemas.microsoft.com/office/drawing/2014/main" id="{3EB06EEE-F7E0-C92F-DBD7-E5CED0021151}"/>
+              </a:ext>
+            </a:extLst>
+          </p:cNvPr>
+          <p:cNvSpPr>
+            <a:spLocks noGrp="1"/>
+          </p:cNvSpPr>
+          <p:nvPr>
+            <p:ph type="title"/>
+          </p:nvPr>
+        </p:nvSpPr>
+        <p:spPr/>
+        <p:txBody>
+          <a:bodyPr/>
+          <a:lstStyle/>
+          <a:p>
+            <a:r>
+              <a:rPr lang="fr-FR" dirty="0"/>
+              <a:t>Détecteur de crête </a:t>
+            </a:r>
+          </a:p>
+        </p:txBody>
+      </p:sp>
+      <p:sp>
+        <p:nvSpPr>
+          <p:cNvPr id="3" name="Espace réservé du contenu 2">
+            <a:extLst>
+              <a:ext uri="{FF2B5EF4-FFF2-40B4-BE49-F238E27FC236}">
+                <a16:creationId xmlns:a16="http://schemas.microsoft.com/office/drawing/2014/main" id="{1DC82B2A-C32D-76A8-BF18-F1304E4C4FC5}"/>
+              </a:ext>
+            </a:extLst>
+          </p:cNvPr>
+          <p:cNvSpPr>
+            <a:spLocks noGrp="1"/>
+          </p:cNvSpPr>
+          <p:nvPr>
+            <p:ph idx="1"/>
+          </p:nvPr>
+        </p:nvSpPr>
+        <p:spPr/>
+        <p:txBody>
+          <a:bodyPr/>
+          <a:lstStyle/>
+          <a:p>
+            <a:endParaRPr lang="fr-FR" dirty="0"/>
+          </a:p>
+        </p:txBody>
+      </p:sp>
+      <p:pic>
+        <p:nvPicPr>
+          <p:cNvPr id="5" name="Image14">
+            <a:extLst>
+              <a:ext uri="{FF2B5EF4-FFF2-40B4-BE49-F238E27FC236}">
+                <a16:creationId xmlns:a16="http://schemas.microsoft.com/office/drawing/2014/main" id="{9AA20878-5229-ACA6-A17D-927F52EC3E7F}"/>
+              </a:ext>
+            </a:extLst>
+          </p:cNvPr>
+          <p:cNvPicPr>
+            <a:picLocks noChangeAspect="1"/>
+          </p:cNvPicPr>
+          <p:nvPr/>
+        </p:nvPicPr>
+        <p:blipFill>
+          <a:blip r:embed="rId2"/>
+          <a:stretch>
+            <a:fillRect/>
+          </a:stretch>
+        </p:blipFill>
+        <p:spPr bwMode="auto">
+          <a:xfrm>
+            <a:off x="838200" y="1825625"/>
+            <a:ext cx="5760720" cy="2279650"/>
+          </a:xfrm>
+          <a:prstGeom prst="rect">
+            <a:avLst/>
+          </a:prstGeom>
+          <a:noFill/>
+        </p:spPr>
+      </p:pic>
+      <p:pic>
+        <p:nvPicPr>
+          <p:cNvPr id="6" name="Image 5">
+            <a:extLst>
+              <a:ext uri="{FF2B5EF4-FFF2-40B4-BE49-F238E27FC236}">
+                <a16:creationId xmlns:a16="http://schemas.microsoft.com/office/drawing/2014/main" id="{270A9689-4775-EB12-063A-5D45480DEB60}"/>
+              </a:ext>
+            </a:extLst>
+          </p:cNvPr>
+          <p:cNvPicPr>
+            <a:picLocks noChangeAspect="1"/>
+          </p:cNvPicPr>
+          <p:nvPr/>
+        </p:nvPicPr>
+        <p:blipFill>
+          <a:blip r:embed="rId3"/>
+          <a:srcRect l="12191" t="5790" r="26191" b="10224"/>
+          <a:stretch/>
+        </p:blipFill>
+        <p:spPr bwMode="auto">
+          <a:xfrm>
+            <a:off x="7614920" y="328612"/>
+            <a:ext cx="3549650" cy="2724151"/>
+          </a:xfrm>
+          <a:prstGeom prst="rect">
+            <a:avLst/>
+          </a:prstGeom>
+          <a:noFill/>
+        </p:spPr>
+      </p:pic>
+      <p:pic>
+        <p:nvPicPr>
+          <p:cNvPr id="7" name="Image 6">
+            <a:extLst>
+              <a:ext uri="{FF2B5EF4-FFF2-40B4-BE49-F238E27FC236}">
+                <a16:creationId xmlns:a16="http://schemas.microsoft.com/office/drawing/2014/main" id="{CCDD6570-D110-944F-F148-7B6317906A5E}"/>
+              </a:ext>
+            </a:extLst>
+          </p:cNvPr>
+          <p:cNvPicPr>
+            <a:picLocks noChangeAspect="1"/>
+          </p:cNvPicPr>
+          <p:nvPr/>
+        </p:nvPicPr>
+        <p:blipFill>
+          <a:blip r:embed="rId4"/>
+          <a:srcRect l="11200" t="6147" r="21340" b="4581"/>
+          <a:stretch/>
+        </p:blipFill>
+        <p:spPr bwMode="auto">
+          <a:xfrm>
+            <a:off x="7207250" y="3416300"/>
+            <a:ext cx="3886200" cy="2895600"/>
+          </a:xfrm>
+          <a:prstGeom prst="rect">
+            <a:avLst/>
+          </a:prstGeom>
+          <a:noFill/>
+        </p:spPr>
+      </p:pic>
+    </p:spTree>
+    <p:extLst>
+      <p:ext uri="{BB962C8B-B14F-4D97-AF65-F5344CB8AC3E}">
+        <p14:creationId xmlns:p14="http://schemas.microsoft.com/office/powerpoint/2010/main" val="1067066418"/>
       </p:ext>
     </p:extLst>
   </p:cSld>
